--- a/week 13/Dylan Scott Week 13.pptx
+++ b/week 13/Dylan Scott Week 13.pptx
@@ -261,7 +261,7 @@
           <a:p>
             <a:fld id="{AC6DD6A3-545F-4068-83A6-A69651DBC5FA}" type="datetimeFigureOut">
               <a:rPr lang="en-US" smtClean="0"/>
-              <a:t>7/3/2022</a:t>
+              <a:t>7/10/2022</a:t>
             </a:fld>
             <a:endParaRPr lang="en-US"/>
           </a:p>
@@ -459,7 +459,7 @@
           <a:p>
             <a:fld id="{AC6DD6A3-545F-4068-83A6-A69651DBC5FA}" type="datetimeFigureOut">
               <a:rPr lang="en-US" smtClean="0"/>
-              <a:t>7/3/2022</a:t>
+              <a:t>7/10/2022</a:t>
             </a:fld>
             <a:endParaRPr lang="en-US"/>
           </a:p>
@@ -667,7 +667,7 @@
           <a:p>
             <a:fld id="{AC6DD6A3-545F-4068-83A6-A69651DBC5FA}" type="datetimeFigureOut">
               <a:rPr lang="en-US" smtClean="0"/>
-              <a:t>7/3/2022</a:t>
+              <a:t>7/10/2022</a:t>
             </a:fld>
             <a:endParaRPr lang="en-US"/>
           </a:p>
@@ -865,7 +865,7 @@
           <a:p>
             <a:fld id="{AC6DD6A3-545F-4068-83A6-A69651DBC5FA}" type="datetimeFigureOut">
               <a:rPr lang="en-US" smtClean="0"/>
-              <a:t>7/3/2022</a:t>
+              <a:t>7/10/2022</a:t>
             </a:fld>
             <a:endParaRPr lang="en-US"/>
           </a:p>
@@ -1140,7 +1140,7 @@
           <a:p>
             <a:fld id="{AC6DD6A3-545F-4068-83A6-A69651DBC5FA}" type="datetimeFigureOut">
               <a:rPr lang="en-US" smtClean="0"/>
-              <a:t>7/3/2022</a:t>
+              <a:t>7/10/2022</a:t>
             </a:fld>
             <a:endParaRPr lang="en-US"/>
           </a:p>
@@ -1405,7 +1405,7 @@
           <a:p>
             <a:fld id="{AC6DD6A3-545F-4068-83A6-A69651DBC5FA}" type="datetimeFigureOut">
               <a:rPr lang="en-US" smtClean="0"/>
-              <a:t>7/3/2022</a:t>
+              <a:t>7/10/2022</a:t>
             </a:fld>
             <a:endParaRPr lang="en-US"/>
           </a:p>
@@ -1817,7 +1817,7 @@
           <a:p>
             <a:fld id="{AC6DD6A3-545F-4068-83A6-A69651DBC5FA}" type="datetimeFigureOut">
               <a:rPr lang="en-US" smtClean="0"/>
-              <a:t>7/3/2022</a:t>
+              <a:t>7/10/2022</a:t>
             </a:fld>
             <a:endParaRPr lang="en-US"/>
           </a:p>
@@ -1958,7 +1958,7 @@
           <a:p>
             <a:fld id="{AC6DD6A3-545F-4068-83A6-A69651DBC5FA}" type="datetimeFigureOut">
               <a:rPr lang="en-US" smtClean="0"/>
-              <a:t>7/3/2022</a:t>
+              <a:t>7/10/2022</a:t>
             </a:fld>
             <a:endParaRPr lang="en-US"/>
           </a:p>
@@ -2071,7 +2071,7 @@
           <a:p>
             <a:fld id="{AC6DD6A3-545F-4068-83A6-A69651DBC5FA}" type="datetimeFigureOut">
               <a:rPr lang="en-US" smtClean="0"/>
-              <a:t>7/3/2022</a:t>
+              <a:t>7/10/2022</a:t>
             </a:fld>
             <a:endParaRPr lang="en-US"/>
           </a:p>
@@ -2382,7 +2382,7 @@
           <a:p>
             <a:fld id="{AC6DD6A3-545F-4068-83A6-A69651DBC5FA}" type="datetimeFigureOut">
               <a:rPr lang="en-US" smtClean="0"/>
-              <a:t>7/3/2022</a:t>
+              <a:t>7/10/2022</a:t>
             </a:fld>
             <a:endParaRPr lang="en-US"/>
           </a:p>
@@ -2670,7 +2670,7 @@
           <a:p>
             <a:fld id="{AC6DD6A3-545F-4068-83A6-A69651DBC5FA}" type="datetimeFigureOut">
               <a:rPr lang="en-US" smtClean="0"/>
-              <a:t>7/3/2022</a:t>
+              <a:t>7/10/2022</a:t>
             </a:fld>
             <a:endParaRPr lang="en-US"/>
           </a:p>
@@ -2911,7 +2911,7 @@
           <a:p>
             <a:fld id="{AC6DD6A3-545F-4068-83A6-A69651DBC5FA}" type="datetimeFigureOut">
               <a:rPr lang="en-US" smtClean="0"/>
-              <a:t>7/3/2022</a:t>
+              <a:t>7/10/2022</a:t>
             </a:fld>
             <a:endParaRPr lang="en-US"/>
           </a:p>
@@ -3636,14 +3636,18 @@
           <a:p>
             <a:r>
               <a:rPr lang="en-US" dirty="0"/>
-              <a:t>I did take the NLP course and we didn’t do anything with </a:t>
-            </a:r>
-            <a:r>
-              <a:rPr lang="en-US"/>
-              <a:t>RNN.</a:t>
-            </a:r>
-          </a:p>
-          <a:p>
+              <a:t>I did take the NLP course and we didn’t do anything with RNN.</a:t>
+            </a:r>
+          </a:p>
+          <a:p>
+            <a:r>
+              <a:rPr lang="en-US" dirty="0"/>
+              <a:t>No questions </a:t>
+            </a:r>
+            <a:r>
+              <a:rPr lang="en-US"/>
+              <a:t>this week</a:t>
+            </a:r>
             <a:endParaRPr lang="en-US" dirty="0"/>
           </a:p>
         </p:txBody>
